--- a/Project template .pptx
+++ b/Project template .pptx
@@ -446,7 +446,7 @@
             <a:fld id="{46256A78-79A6-408F-8148-4F87BB81602D}" type="datetimeFigureOut">
               <a:rPr lang="en-IN" smtClean="0"/>
               <a:pPr/>
-              <a:t>04-04-2024</a:t>
+              <a:t>06-04-2024</a:t>
             </a:fld>
             <a:endParaRPr lang="en-IN"/>
           </a:p>
@@ -897,7 +897,7 @@
             <a:fld id="{ED291B17-9318-49DB-B28B-6E5994AE9581}" type="datetime1">
               <a:rPr lang="en-US" smtClean="0"/>
               <a:pPr/>
-              <a:t>04-Apr-24</a:t>
+              <a:t>06-Apr-24</a:t>
             </a:fld>
             <a:endParaRPr lang="en-US"/>
           </a:p>
@@ -1064,7 +1064,7 @@
             <a:fld id="{2CED4963-E985-44C4-B8C4-FDD613B7C2F8}" type="datetime1">
               <a:rPr lang="en-US" smtClean="0"/>
               <a:pPr/>
-              <a:t>04-Apr-24</a:t>
+              <a:t>06-Apr-24</a:t>
             </a:fld>
             <a:endParaRPr lang="en-US"/>
           </a:p>
@@ -1241,7 +1241,7 @@
             <a:fld id="{ED291B17-9318-49DB-B28B-6E5994AE9581}" type="datetime1">
               <a:rPr lang="en-US" smtClean="0"/>
               <a:pPr/>
-              <a:t>04-Apr-24</a:t>
+              <a:t>06-Apr-24</a:t>
             </a:fld>
             <a:endParaRPr lang="en-US"/>
           </a:p>
@@ -1408,7 +1408,7 @@
             <a:fld id="{78DD82B9-B8EE-4375-B6FF-88FA6ABB15D9}" type="datetime1">
               <a:rPr lang="en-US" smtClean="0"/>
               <a:pPr/>
-              <a:t>04-Apr-24</a:t>
+              <a:t>06-Apr-24</a:t>
             </a:fld>
             <a:endParaRPr lang="en-US"/>
           </a:p>
@@ -1450,6 +1450,7 @@
           <a:p>
             <a:fld id="{4A8285DB-11B9-4F36-BD20-5B3D2034C249}" type="slidenum">
               <a:rPr lang="en-US" smtClean="0"/>
+              <a:pPr/>
               <a:t>‹#›</a:t>
             </a:fld>
             <a:endParaRPr lang="en-US"/>
@@ -1650,7 +1651,7 @@
             <a:fld id="{B2497495-0637-405E-AE64-5CC7506D51F5}" type="datetime1">
               <a:rPr lang="en-US" smtClean="0"/>
               <a:pPr/>
-              <a:t>04-Apr-24</a:t>
+              <a:t>06-Apr-24</a:t>
             </a:fld>
             <a:endParaRPr lang="en-US"/>
           </a:p>
@@ -1935,7 +1936,7 @@
             <a:fld id="{7BFFD690-9426-415D-8B65-26881E07B2D4}" type="datetime1">
               <a:rPr lang="en-US" smtClean="0"/>
               <a:pPr/>
-              <a:t>04-Apr-24</a:t>
+              <a:t>06-Apr-24</a:t>
             </a:fld>
             <a:endParaRPr lang="en-US"/>
           </a:p>
@@ -2359,7 +2360,7 @@
             <a:fld id="{04C4989A-474C-40DE-95B9-011C28B71673}" type="datetime1">
               <a:rPr lang="en-US" smtClean="0"/>
               <a:pPr/>
-              <a:t>04-Apr-24</a:t>
+              <a:t>06-Apr-24</a:t>
             </a:fld>
             <a:endParaRPr lang="en-US"/>
           </a:p>
@@ -2474,7 +2475,7 @@
             <a:fld id="{5DB4ED54-5B5E-4A04-93D3-5772E3CE3818}" type="datetime1">
               <a:rPr lang="en-US" smtClean="0"/>
               <a:pPr/>
-              <a:t>04-Apr-24</a:t>
+              <a:t>06-Apr-24</a:t>
             </a:fld>
             <a:endParaRPr lang="en-US"/>
           </a:p>
@@ -2566,7 +2567,7 @@
             <a:fld id="{4EDE50D6-574B-40AF-946F-D52A04ADE379}" type="datetime1">
               <a:rPr lang="en-US" smtClean="0"/>
               <a:pPr/>
-              <a:t>04-Apr-24</a:t>
+              <a:t>06-Apr-24</a:t>
             </a:fld>
             <a:endParaRPr lang="en-US"/>
           </a:p>
@@ -2840,7 +2841,7 @@
             <a:fld id="{D82884F1-FFEA-405F-9602-3DCA865EDA4E}" type="datetime1">
               <a:rPr lang="en-US" smtClean="0"/>
               <a:pPr/>
-              <a:t>04-Apr-24</a:t>
+              <a:t>06-Apr-24</a:t>
             </a:fld>
             <a:endParaRPr lang="en-US"/>
           </a:p>
@@ -3090,7 +3091,7 @@
             <a:fld id="{7E18DB4A-8810-4A10-AD5C-D5E2C667F5B3}" type="datetime1">
               <a:rPr lang="en-US" smtClean="0"/>
               <a:pPr/>
-              <a:t>04-Apr-24</a:t>
+              <a:t>06-Apr-24</a:t>
             </a:fld>
             <a:endParaRPr lang="en-US"/>
           </a:p>
@@ -3301,7 +3302,7 @@
             <a:fld id="{ED291B17-9318-49DB-B28B-6E5994AE9581}" type="datetime1">
               <a:rPr lang="en-US" smtClean="0"/>
               <a:pPr/>
-              <a:t>04-Apr-24</a:t>
+              <a:t>06-Apr-24</a:t>
             </a:fld>
             <a:endParaRPr lang="en-US"/>
           </a:p>
@@ -3820,19 +3821,19 @@
                 <a:latin typeface="Arial" pitchFamily="34" charset="0"/>
                 <a:cs typeface="Arial" pitchFamily="34" charset="0"/>
               </a:rPr>
-              <a:t>          Presented </a:t>
-            </a:r>
-            <a:r>
-              <a:rPr lang="en-US" sz="2400" b="1" dirty="0">
+              <a:t>          PRE</a:t>
+            </a:r>
+            <a:r>
+              <a:rPr lang="en-US" sz="2400" b="1" dirty="0" smtClean="0">
                 <a:solidFill>
                   <a:schemeClr val="accent1">
                     <a:lumMod val="75000"/>
                   </a:schemeClr>
                 </a:solidFill>
-                <a:latin typeface="Arial" pitchFamily="34" charset="0"/>
-                <a:cs typeface="Arial" pitchFamily="34" charset="0"/>
-              </a:rPr>
-              <a:t>By</a:t>
+                <a:latin typeface="Arial"/>
+                <a:cs typeface="Arial"/>
+              </a:rPr>
+              <a:t>S</a:t>
             </a:r>
             <a:r>
               <a:rPr lang="en-US" sz="2400" b="1" dirty="0" smtClean="0">
@@ -3844,7 +3845,7 @@
                 <a:latin typeface="Arial" pitchFamily="34" charset="0"/>
                 <a:cs typeface="Arial" pitchFamily="34" charset="0"/>
               </a:rPr>
-              <a:t>:</a:t>
+              <a:t>ENTED BY:</a:t>
             </a:r>
           </a:p>
           <a:p>
@@ -3861,7 +3862,7 @@
           <a:p>
             <a:pPr marL="457200" indent="-457200" algn="ctr"/>
             <a:r>
-              <a:rPr lang="en-US" sz="2400" b="1" dirty="0" smtClean="0">
+              <a:rPr lang="en-US" sz="2400" b="1" smtClean="0">
                 <a:solidFill>
                   <a:schemeClr val="accent1">
                     <a:lumMod val="75000"/>
@@ -3870,8 +3871,29 @@
                 <a:latin typeface="Arial"/>
                 <a:cs typeface="Arial"/>
               </a:rPr>
-              <a:t>   AJAY KUMAR P</a:t>
-            </a:r>
+              <a:t> </a:t>
+            </a:r>
+            <a:r>
+              <a:rPr lang="en-US" sz="2400" b="1" smtClean="0">
+                <a:solidFill>
+                  <a:schemeClr val="accent1">
+                    <a:lumMod val="75000"/>
+                  </a:schemeClr>
+                </a:solidFill>
+                <a:latin typeface="Arial"/>
+                <a:cs typeface="Arial"/>
+              </a:rPr>
+              <a:t>PRISKILLA N</a:t>
+            </a:r>
+            <a:endParaRPr lang="en-US" sz="2400" b="1" dirty="0" smtClean="0">
+              <a:solidFill>
+                <a:schemeClr val="accent1">
+                  <a:lumMod val="75000"/>
+                </a:schemeClr>
+              </a:solidFill>
+              <a:latin typeface="Arial"/>
+              <a:cs typeface="Arial"/>
+            </a:endParaRPr>
           </a:p>
           <a:p>
             <a:pPr marL="457200" indent="-457200" algn="ctr"/>
